--- a/Data_Mining_Presentation.pptx
+++ b/Data_Mining_Presentation.pptx
@@ -9831,7 +9831,7 @@
             </a:pPr>
             <a:r>
               <a:rPr lang="en"/>
-              <a:t>PC1 Software Defect Classification</a:t>
+              <a:t>PC1 Software Defect Classification &amp; Prediction</a:t>
             </a:r>
             <a:endParaRPr/>
           </a:p>
@@ -9881,9 +9881,49 @@
                 <a:cs typeface="Economica"/>
                 <a:sym typeface="Economica"/>
               </a:rPr>
-              <a:t>By Paritosh Shirodkar </a:t>
-            </a:r>
-            <a:endParaRPr sz="2400"/>
+              <a:t>By Paritosh Shirodkar &amp;</a:t>
+            </a:r>
+            <a:endParaRPr sz="2400">
+              <a:solidFill>
+                <a:schemeClr val="dk1"/>
+              </a:solidFill>
+              <a:latin typeface="Economica"/>
+              <a:ea typeface="Economica"/>
+              <a:cs typeface="Economica"/>
+              <a:sym typeface="Economica"/>
+            </a:endParaRPr>
+          </a:p>
+          <a:p>
+            <a:pPr indent="0" lvl="0" marL="0" rtl="0" algn="ctr">
+              <a:spcBef>
+                <a:spcPts val="0"/>
+              </a:spcBef>
+              <a:spcAft>
+                <a:spcPts val="0"/>
+              </a:spcAft>
+              <a:buNone/>
+            </a:pPr>
+            <a:r>
+              <a:rPr lang="en" sz="2400">
+                <a:solidFill>
+                  <a:schemeClr val="dk1"/>
+                </a:solidFill>
+                <a:latin typeface="Economica"/>
+                <a:ea typeface="Economica"/>
+                <a:cs typeface="Economica"/>
+                <a:sym typeface="Economica"/>
+              </a:rPr>
+              <a:t>Kevin Rodrigues</a:t>
+            </a:r>
+            <a:endParaRPr sz="2400">
+              <a:solidFill>
+                <a:schemeClr val="dk1"/>
+              </a:solidFill>
+              <a:latin typeface="Economica"/>
+              <a:ea typeface="Economica"/>
+              <a:cs typeface="Economica"/>
+              <a:sym typeface="Economica"/>
+            </a:endParaRPr>
           </a:p>
         </p:txBody>
       </p:sp>
@@ -11891,7 +11931,7 @@
             <a:tbl>
               <a:tblPr>
                 <a:noFill/>
-                <a:tableStyleId>{F22453AD-BE12-4026-9FA6-8084E7130A0F}</a:tableStyleId>
+                <a:tableStyleId>{874FAE13-D2B4-4157-818F-8357D7632B67}</a:tableStyleId>
               </a:tblPr>
               <a:tblGrid>
                 <a:gridCol w="1409900"/>
@@ -13492,7 +13532,7 @@
             <a:tbl>
               <a:tblPr>
                 <a:noFill/>
-                <a:tableStyleId>{F22453AD-BE12-4026-9FA6-8084E7130A0F}</a:tableStyleId>
+                <a:tableStyleId>{874FAE13-D2B4-4157-818F-8357D7632B67}</a:tableStyleId>
               </a:tblPr>
               <a:tblGrid>
                 <a:gridCol w="1410875"/>
@@ -14982,7 +15022,7 @@
             <a:tbl>
               <a:tblPr>
                 <a:noFill/>
-                <a:tableStyleId>{F22453AD-BE12-4026-9FA6-8084E7130A0F}</a:tableStyleId>
+                <a:tableStyleId>{874FAE13-D2B4-4157-818F-8357D7632B67}</a:tableStyleId>
               </a:tblPr>
               <a:tblGrid>
                 <a:gridCol w="1511200"/>
@@ -16416,7 +16456,7 @@
             <a:tbl>
               <a:tblPr>
                 <a:noFill/>
-                <a:tableStyleId>{F22453AD-BE12-4026-9FA6-8084E7130A0F}</a:tableStyleId>
+                <a:tableStyleId>{874FAE13-D2B4-4157-818F-8357D7632B67}</a:tableStyleId>
               </a:tblPr>
               <a:tblGrid>
                 <a:gridCol w="1528050"/>
@@ -17841,7 +17881,7 @@
             <a:tbl>
               <a:tblPr>
                 <a:noFill/>
-                <a:tableStyleId>{F22453AD-BE12-4026-9FA6-8084E7130A0F}</a:tableStyleId>
+                <a:tableStyleId>{874FAE13-D2B4-4157-818F-8357D7632B67}</a:tableStyleId>
               </a:tblPr>
               <a:tblGrid>
                 <a:gridCol w="1422350"/>
@@ -19266,7 +19306,7 @@
             <a:tbl>
               <a:tblPr>
                 <a:noFill/>
-                <a:tableStyleId>{F22453AD-BE12-4026-9FA6-8084E7130A0F}</a:tableStyleId>
+                <a:tableStyleId>{874FAE13-D2B4-4157-818F-8357D7632B67}</a:tableStyleId>
               </a:tblPr>
               <a:tblGrid>
                 <a:gridCol w="1270950"/>
